--- a/math_ds.pptx
+++ b/math_ds.pptx
@@ -10130,7 +10130,7 @@
           <a:p>
             <a:fld id="{346252AE-C3AD-F64D-9D8B-E93D532416B6}" type="datetimeFigureOut">
               <a:rPr lang="ru-RU" smtClean="0"/>
-              <a:t>07.09.2023</a:t>
+              <a:t>13.09.2023</a:t>
             </a:fld>
             <a:endParaRPr lang="ru-RU"/>
           </a:p>
@@ -10300,7 +10300,7 @@
           <a:p>
             <a:fld id="{346252AE-C3AD-F64D-9D8B-E93D532416B6}" type="datetimeFigureOut">
               <a:rPr lang="ru-RU" smtClean="0"/>
-              <a:t>07.09.2023</a:t>
+              <a:t>13.09.2023</a:t>
             </a:fld>
             <a:endParaRPr lang="ru-RU"/>
           </a:p>
@@ -10480,7 +10480,7 @@
           <a:p>
             <a:fld id="{346252AE-C3AD-F64D-9D8B-E93D532416B6}" type="datetimeFigureOut">
               <a:rPr lang="ru-RU" smtClean="0"/>
-              <a:t>07.09.2023</a:t>
+              <a:t>13.09.2023</a:t>
             </a:fld>
             <a:endParaRPr lang="ru-RU"/>
           </a:p>
@@ -10650,7 +10650,7 @@
           <a:p>
             <a:fld id="{346252AE-C3AD-F64D-9D8B-E93D532416B6}" type="datetimeFigureOut">
               <a:rPr lang="ru-RU" smtClean="0"/>
-              <a:t>07.09.2023</a:t>
+              <a:t>13.09.2023</a:t>
             </a:fld>
             <a:endParaRPr lang="ru-RU"/>
           </a:p>
@@ -10894,7 +10894,7 @@
           <a:p>
             <a:fld id="{346252AE-C3AD-F64D-9D8B-E93D532416B6}" type="datetimeFigureOut">
               <a:rPr lang="ru-RU" smtClean="0"/>
-              <a:t>07.09.2023</a:t>
+              <a:t>13.09.2023</a:t>
             </a:fld>
             <a:endParaRPr lang="ru-RU"/>
           </a:p>
@@ -11126,7 +11126,7 @@
           <a:p>
             <a:fld id="{346252AE-C3AD-F64D-9D8B-E93D532416B6}" type="datetimeFigureOut">
               <a:rPr lang="ru-RU" smtClean="0"/>
-              <a:t>07.09.2023</a:t>
+              <a:t>13.09.2023</a:t>
             </a:fld>
             <a:endParaRPr lang="ru-RU"/>
           </a:p>
@@ -11493,7 +11493,7 @@
           <a:p>
             <a:fld id="{346252AE-C3AD-F64D-9D8B-E93D532416B6}" type="datetimeFigureOut">
               <a:rPr lang="ru-RU" smtClean="0"/>
-              <a:t>07.09.2023</a:t>
+              <a:t>13.09.2023</a:t>
             </a:fld>
             <a:endParaRPr lang="ru-RU"/>
           </a:p>
@@ -11611,7 +11611,7 @@
           <a:p>
             <a:fld id="{346252AE-C3AD-F64D-9D8B-E93D532416B6}" type="datetimeFigureOut">
               <a:rPr lang="ru-RU" smtClean="0"/>
-              <a:t>07.09.2023</a:t>
+              <a:t>13.09.2023</a:t>
             </a:fld>
             <a:endParaRPr lang="ru-RU"/>
           </a:p>
@@ -11706,7 +11706,7 @@
           <a:p>
             <a:fld id="{346252AE-C3AD-F64D-9D8B-E93D532416B6}" type="datetimeFigureOut">
               <a:rPr lang="ru-RU" smtClean="0"/>
-              <a:t>07.09.2023</a:t>
+              <a:t>13.09.2023</a:t>
             </a:fld>
             <a:endParaRPr lang="ru-RU"/>
           </a:p>
@@ -11983,7 +11983,7 @@
           <a:p>
             <a:fld id="{346252AE-C3AD-F64D-9D8B-E93D532416B6}" type="datetimeFigureOut">
               <a:rPr lang="ru-RU" smtClean="0"/>
-              <a:t>07.09.2023</a:t>
+              <a:t>13.09.2023</a:t>
             </a:fld>
             <a:endParaRPr lang="ru-RU"/>
           </a:p>
@@ -12240,7 +12240,7 @@
           <a:p>
             <a:fld id="{346252AE-C3AD-F64D-9D8B-E93D532416B6}" type="datetimeFigureOut">
               <a:rPr lang="ru-RU" smtClean="0"/>
-              <a:t>07.09.2023</a:t>
+              <a:t>13.09.2023</a:t>
             </a:fld>
             <a:endParaRPr lang="ru-RU"/>
           </a:p>
@@ -12453,7 +12453,7 @@
           <a:p>
             <a:fld id="{346252AE-C3AD-F64D-9D8B-E93D532416B6}" type="datetimeFigureOut">
               <a:rPr lang="ru-RU" smtClean="0"/>
-              <a:t>07.09.2023</a:t>
+              <a:t>13.09.2023</a:t>
             </a:fld>
             <a:endParaRPr lang="ru-RU"/>
           </a:p>
@@ -12877,12 +12877,12 @@
         <p:spPr>
           <a:xfrm>
             <a:off x="294290" y="178676"/>
-            <a:ext cx="8711165" cy="3165574"/>
+            <a:ext cx="8711165" cy="1639491"/>
           </a:xfrm>
         </p:spPr>
         <p:txBody>
           <a:bodyPr>
-            <a:normAutofit/>
+            <a:normAutofit fontScale="90000"/>
           </a:bodyPr>
           <a:lstStyle/>
           <a:p>
@@ -12909,16 +12909,6 @@
               </a:rPr>
               <a:t>Data Science</a:t>
             </a:r>
-            <a:br>
-              <a:rPr lang="ru-RU" b="1" dirty="0">
-                <a:solidFill>
-                  <a:srgbClr val="00B0F0"/>
-                </a:solidFill>
-                <a:latin typeface="Consolas" charset="0"/>
-                <a:ea typeface="Consolas" charset="0"/>
-                <a:cs typeface="Consolas" charset="0"/>
-              </a:rPr>
-            </a:br>
             <a:endParaRPr lang="ru-RU" dirty="0"/>
           </a:p>
         </p:txBody>
@@ -12998,6 +12988,50 @@
               <a:t>vladimir_255</a:t>
             </a:r>
             <a:endParaRPr lang="ru-RU" dirty="0"/>
+          </a:p>
+        </p:txBody>
+      </p:sp>
+      <p:sp>
+        <p:nvSpPr>
+          <p:cNvPr id="5" name="TextBox 4">
+            <a:extLst>
+              <a:ext uri="{FF2B5EF4-FFF2-40B4-BE49-F238E27FC236}">
+                <a16:creationId xmlns:a16="http://schemas.microsoft.com/office/drawing/2014/main" id="{5899CE4C-0A07-5049-8B5F-232E1C68F429}"/>
+              </a:ext>
+            </a:extLst>
+          </p:cNvPr>
+          <p:cNvSpPr txBox="1"/>
+          <p:nvPr/>
+        </p:nvSpPr>
+        <p:spPr>
+          <a:xfrm>
+            <a:off x="2355898" y="2302273"/>
+            <a:ext cx="4587948" cy="584775"/>
+          </a:xfrm>
+          <a:prstGeom prst="rect">
+            <a:avLst/>
+          </a:prstGeom>
+          <a:noFill/>
+        </p:spPr>
+        <p:txBody>
+          <a:bodyPr wrap="square">
+            <a:spAutoFit/>
+          </a:bodyPr>
+          <a:lstStyle/>
+          <a:p>
+            <a:pPr algn="ctr"/>
+            <a:r>
+              <a:rPr lang="ru-RU" sz="3200" dirty="0">
+                <a:solidFill>
+                  <a:srgbClr val="00B0F0"/>
+                </a:solidFill>
+                <a:latin typeface="Consolas" charset="0"/>
+                <a:ea typeface="Consolas" charset="0"/>
+                <a:cs typeface="Consolas" charset="0"/>
+              </a:rPr>
+              <a:t>Введение</a:t>
+            </a:r>
+            <a:endParaRPr lang="ru-RU" sz="3200" dirty="0"/>
           </a:p>
         </p:txBody>
       </p:sp>

--- a/math_ds.pptx
+++ b/math_ds.pptx
@@ -10130,7 +10130,7 @@
           <a:p>
             <a:fld id="{346252AE-C3AD-F64D-9D8B-E93D532416B6}" type="datetimeFigureOut">
               <a:rPr lang="ru-RU" smtClean="0"/>
-              <a:t>13.09.2023</a:t>
+              <a:t>15.10.2023</a:t>
             </a:fld>
             <a:endParaRPr lang="ru-RU"/>
           </a:p>
@@ -10300,7 +10300,7 @@
           <a:p>
             <a:fld id="{346252AE-C3AD-F64D-9D8B-E93D532416B6}" type="datetimeFigureOut">
               <a:rPr lang="ru-RU" smtClean="0"/>
-              <a:t>13.09.2023</a:t>
+              <a:t>15.10.2023</a:t>
             </a:fld>
             <a:endParaRPr lang="ru-RU"/>
           </a:p>
@@ -10480,7 +10480,7 @@
           <a:p>
             <a:fld id="{346252AE-C3AD-F64D-9D8B-E93D532416B6}" type="datetimeFigureOut">
               <a:rPr lang="ru-RU" smtClean="0"/>
-              <a:t>13.09.2023</a:t>
+              <a:t>15.10.2023</a:t>
             </a:fld>
             <a:endParaRPr lang="ru-RU"/>
           </a:p>
@@ -10650,7 +10650,7 @@
           <a:p>
             <a:fld id="{346252AE-C3AD-F64D-9D8B-E93D532416B6}" type="datetimeFigureOut">
               <a:rPr lang="ru-RU" smtClean="0"/>
-              <a:t>13.09.2023</a:t>
+              <a:t>15.10.2023</a:t>
             </a:fld>
             <a:endParaRPr lang="ru-RU"/>
           </a:p>
@@ -10894,7 +10894,7 @@
           <a:p>
             <a:fld id="{346252AE-C3AD-F64D-9D8B-E93D532416B6}" type="datetimeFigureOut">
               <a:rPr lang="ru-RU" smtClean="0"/>
-              <a:t>13.09.2023</a:t>
+              <a:t>15.10.2023</a:t>
             </a:fld>
             <a:endParaRPr lang="ru-RU"/>
           </a:p>
@@ -11126,7 +11126,7 @@
           <a:p>
             <a:fld id="{346252AE-C3AD-F64D-9D8B-E93D532416B6}" type="datetimeFigureOut">
               <a:rPr lang="ru-RU" smtClean="0"/>
-              <a:t>13.09.2023</a:t>
+              <a:t>15.10.2023</a:t>
             </a:fld>
             <a:endParaRPr lang="ru-RU"/>
           </a:p>
@@ -11493,7 +11493,7 @@
           <a:p>
             <a:fld id="{346252AE-C3AD-F64D-9D8B-E93D532416B6}" type="datetimeFigureOut">
               <a:rPr lang="ru-RU" smtClean="0"/>
-              <a:t>13.09.2023</a:t>
+              <a:t>15.10.2023</a:t>
             </a:fld>
             <a:endParaRPr lang="ru-RU"/>
           </a:p>
@@ -11611,7 +11611,7 @@
           <a:p>
             <a:fld id="{346252AE-C3AD-F64D-9D8B-E93D532416B6}" type="datetimeFigureOut">
               <a:rPr lang="ru-RU" smtClean="0"/>
-              <a:t>13.09.2023</a:t>
+              <a:t>15.10.2023</a:t>
             </a:fld>
             <a:endParaRPr lang="ru-RU"/>
           </a:p>
@@ -11706,7 +11706,7 @@
           <a:p>
             <a:fld id="{346252AE-C3AD-F64D-9D8B-E93D532416B6}" type="datetimeFigureOut">
               <a:rPr lang="ru-RU" smtClean="0"/>
-              <a:t>13.09.2023</a:t>
+              <a:t>15.10.2023</a:t>
             </a:fld>
             <a:endParaRPr lang="ru-RU"/>
           </a:p>
@@ -11983,7 +11983,7 @@
           <a:p>
             <a:fld id="{346252AE-C3AD-F64D-9D8B-E93D532416B6}" type="datetimeFigureOut">
               <a:rPr lang="ru-RU" smtClean="0"/>
-              <a:t>13.09.2023</a:t>
+              <a:t>15.10.2023</a:t>
             </a:fld>
             <a:endParaRPr lang="ru-RU"/>
           </a:p>
@@ -12240,7 +12240,7 @@
           <a:p>
             <a:fld id="{346252AE-C3AD-F64D-9D8B-E93D532416B6}" type="datetimeFigureOut">
               <a:rPr lang="ru-RU" smtClean="0"/>
-              <a:t>13.09.2023</a:t>
+              <a:t>15.10.2023</a:t>
             </a:fld>
             <a:endParaRPr lang="ru-RU"/>
           </a:p>
@@ -12453,7 +12453,7 @@
           <a:p>
             <a:fld id="{346252AE-C3AD-F64D-9D8B-E93D532416B6}" type="datetimeFigureOut">
               <a:rPr lang="ru-RU" smtClean="0"/>
-              <a:t>13.09.2023</a:t>
+              <a:t>15.10.2023</a:t>
             </a:fld>
             <a:endParaRPr lang="ru-RU"/>
           </a:p>
@@ -15642,7 +15642,7 @@
                 <a:ea typeface="Calibri" panose="020F0502020204030204" pitchFamily="34" charset="0"/>
                 <a:cs typeface="Times New Roman" panose="02020603050405020304" pitchFamily="18" charset="0"/>
               </a:rPr>
-              <a:t>Венцель</a:t>
+              <a:t>Вентцель</a:t>
             </a:r>
             <a:r>
               <a:rPr lang="ru-RU" sz="2400" dirty="0">

--- a/math_ds.pptx
+++ b/math_ds.pptx
@@ -10130,7 +10130,7 @@
           <a:p>
             <a:fld id="{346252AE-C3AD-F64D-9D8B-E93D532416B6}" type="datetimeFigureOut">
               <a:rPr lang="ru-RU" smtClean="0"/>
-              <a:t>15.10.2023</a:t>
+              <a:t>25.10.2023</a:t>
             </a:fld>
             <a:endParaRPr lang="ru-RU"/>
           </a:p>
@@ -10300,7 +10300,7 @@
           <a:p>
             <a:fld id="{346252AE-C3AD-F64D-9D8B-E93D532416B6}" type="datetimeFigureOut">
               <a:rPr lang="ru-RU" smtClean="0"/>
-              <a:t>15.10.2023</a:t>
+              <a:t>25.10.2023</a:t>
             </a:fld>
             <a:endParaRPr lang="ru-RU"/>
           </a:p>
@@ -10480,7 +10480,7 @@
           <a:p>
             <a:fld id="{346252AE-C3AD-F64D-9D8B-E93D532416B6}" type="datetimeFigureOut">
               <a:rPr lang="ru-RU" smtClean="0"/>
-              <a:t>15.10.2023</a:t>
+              <a:t>25.10.2023</a:t>
             </a:fld>
             <a:endParaRPr lang="ru-RU"/>
           </a:p>
@@ -10650,7 +10650,7 @@
           <a:p>
             <a:fld id="{346252AE-C3AD-F64D-9D8B-E93D532416B6}" type="datetimeFigureOut">
               <a:rPr lang="ru-RU" smtClean="0"/>
-              <a:t>15.10.2023</a:t>
+              <a:t>25.10.2023</a:t>
             </a:fld>
             <a:endParaRPr lang="ru-RU"/>
           </a:p>
@@ -10894,7 +10894,7 @@
           <a:p>
             <a:fld id="{346252AE-C3AD-F64D-9D8B-E93D532416B6}" type="datetimeFigureOut">
               <a:rPr lang="ru-RU" smtClean="0"/>
-              <a:t>15.10.2023</a:t>
+              <a:t>25.10.2023</a:t>
             </a:fld>
             <a:endParaRPr lang="ru-RU"/>
           </a:p>
@@ -11126,7 +11126,7 @@
           <a:p>
             <a:fld id="{346252AE-C3AD-F64D-9D8B-E93D532416B6}" type="datetimeFigureOut">
               <a:rPr lang="ru-RU" smtClean="0"/>
-              <a:t>15.10.2023</a:t>
+              <a:t>25.10.2023</a:t>
             </a:fld>
             <a:endParaRPr lang="ru-RU"/>
           </a:p>
@@ -11493,7 +11493,7 @@
           <a:p>
             <a:fld id="{346252AE-C3AD-F64D-9D8B-E93D532416B6}" type="datetimeFigureOut">
               <a:rPr lang="ru-RU" smtClean="0"/>
-              <a:t>15.10.2023</a:t>
+              <a:t>25.10.2023</a:t>
             </a:fld>
             <a:endParaRPr lang="ru-RU"/>
           </a:p>
@@ -11611,7 +11611,7 @@
           <a:p>
             <a:fld id="{346252AE-C3AD-F64D-9D8B-E93D532416B6}" type="datetimeFigureOut">
               <a:rPr lang="ru-RU" smtClean="0"/>
-              <a:t>15.10.2023</a:t>
+              <a:t>25.10.2023</a:t>
             </a:fld>
             <a:endParaRPr lang="ru-RU"/>
           </a:p>
@@ -11706,7 +11706,7 @@
           <a:p>
             <a:fld id="{346252AE-C3AD-F64D-9D8B-E93D532416B6}" type="datetimeFigureOut">
               <a:rPr lang="ru-RU" smtClean="0"/>
-              <a:t>15.10.2023</a:t>
+              <a:t>25.10.2023</a:t>
             </a:fld>
             <a:endParaRPr lang="ru-RU"/>
           </a:p>
@@ -11983,7 +11983,7 @@
           <a:p>
             <a:fld id="{346252AE-C3AD-F64D-9D8B-E93D532416B6}" type="datetimeFigureOut">
               <a:rPr lang="ru-RU" smtClean="0"/>
-              <a:t>15.10.2023</a:t>
+              <a:t>25.10.2023</a:t>
             </a:fld>
             <a:endParaRPr lang="ru-RU"/>
           </a:p>
@@ -12240,7 +12240,7 @@
           <a:p>
             <a:fld id="{346252AE-C3AD-F64D-9D8B-E93D532416B6}" type="datetimeFigureOut">
               <a:rPr lang="ru-RU" smtClean="0"/>
-              <a:t>15.10.2023</a:t>
+              <a:t>25.10.2023</a:t>
             </a:fld>
             <a:endParaRPr lang="ru-RU"/>
           </a:p>
@@ -12453,7 +12453,7 @@
           <a:p>
             <a:fld id="{346252AE-C3AD-F64D-9D8B-E93D532416B6}" type="datetimeFigureOut">
               <a:rPr lang="ru-RU" smtClean="0"/>
-              <a:t>15.10.2023</a:t>
+              <a:t>25.10.2023</a:t>
             </a:fld>
             <a:endParaRPr lang="ru-RU"/>
           </a:p>
@@ -15485,44 +15485,24 @@
         </p:spPr>
         <p:txBody>
           <a:bodyPr>
-            <a:normAutofit lnSpcReduction="10000"/>
+            <a:normAutofit fontScale="92500"/>
           </a:bodyPr>
           <a:lstStyle/>
           <a:p>
+            <a:r>
+              <a:rPr lang="en" sz="2400" dirty="0">
+                <a:effectLst/>
+                <a:latin typeface="Fd1557900-Identity-H"/>
+                <a:hlinkClick r:id="rId2"/>
+              </a:rPr>
+              <a:t>https://github.com/sudakov/math-for-ds</a:t>
+            </a:r>
             <a:r>
               <a:rPr lang="en" sz="2400" dirty="0">
                 <a:effectLst/>
                 <a:latin typeface="Fd1557900-Identity-H"/>
               </a:rPr>
-              <a:t>https://</a:t>
-            </a:r>
-            <a:r>
-              <a:rPr lang="en" sz="2400" dirty="0" err="1">
-                <a:effectLst/>
-                <a:latin typeface="Fd1557900-Identity-H"/>
-              </a:rPr>
-              <a:t>github.com</a:t>
-            </a:r>
-            <a:r>
-              <a:rPr lang="en" sz="2400" dirty="0">
-                <a:effectLst/>
-                <a:latin typeface="Fd1557900-Identity-H"/>
-              </a:rPr>
-              <a:t>/</a:t>
-            </a:r>
-            <a:r>
-              <a:rPr lang="en" sz="2400" dirty="0" err="1">
-                <a:effectLst/>
-                <a:latin typeface="Fd1557900-Identity-H"/>
-              </a:rPr>
-              <a:t>sudakov</a:t>
-            </a:r>
-            <a:r>
-              <a:rPr lang="en" sz="2400" dirty="0">
-                <a:effectLst/>
-                <a:latin typeface="Fd1557900-Identity-H"/>
-              </a:rPr>
-              <a:t>/math-for-ds</a:t>
+              <a:t> </a:t>
             </a:r>
             <a:endParaRPr lang="ru-RU" sz="2400" dirty="0">
               <a:effectLst/>
@@ -15754,6 +15734,19 @@
             <a:r>
               <a:rPr lang="ru-RU" sz="2400" dirty="0" err="1"/>
               <a:t>Python</a:t>
+            </a:r>
+            <a:endParaRPr lang="en-US" sz="2400" dirty="0"/>
+          </a:p>
+          <a:p>
+            <a:r>
+              <a:rPr lang="en" sz="2400" dirty="0">
+                <a:hlinkClick r:id="rId3"/>
+              </a:rPr>
+              <a:t>http://allendowney.github.io/ThinkBayes2/</a:t>
+            </a:r>
+            <a:r>
+              <a:rPr lang="en" sz="2400" dirty="0"/>
+              <a:t> </a:t>
             </a:r>
             <a:endParaRPr lang="ru-RU" sz="2400" dirty="0"/>
           </a:p>
